--- a/チーム「焼肉食べたい」.pptx
+++ b/チーム「焼肉食べたい」.pptx
@@ -7,10 +7,11 @@
   <p:sldIdLst>
     <p:sldId id="256" r:id="rId2"/>
     <p:sldId id="257" r:id="rId3"/>
-    <p:sldId id="260" r:id="rId4"/>
-    <p:sldId id="261" r:id="rId5"/>
-    <p:sldId id="258" r:id="rId6"/>
-    <p:sldId id="259" r:id="rId7"/>
+    <p:sldId id="262" r:id="rId4"/>
+    <p:sldId id="260" r:id="rId5"/>
+    <p:sldId id="261" r:id="rId6"/>
+    <p:sldId id="258" r:id="rId7"/>
+    <p:sldId id="259" r:id="rId8"/>
   </p:sldIdLst>
   <p:sldSz cx="12192000" cy="6858000"/>
   <p:notesSz cx="6858000" cy="9144000"/>
@@ -3571,70 +3572,43 @@
       </p:grpSpPr>
       <p:sp>
         <p:nvSpPr>
-          <p:cNvPr id="5" name="タイトル 1"/>
-          <p:cNvSpPr txBox="1">
-            <a:spLocks/>
-          </p:cNvSpPr>
-          <p:nvPr/>
+          <p:cNvPr id="2" name="タイトル 1"/>
+          <p:cNvSpPr>
+            <a:spLocks noGrp="1"/>
+          </p:cNvSpPr>
+          <p:nvPr>
+            <p:ph type="title"/>
+          </p:nvPr>
         </p:nvSpPr>
         <p:spPr>
           <a:xfrm>
-            <a:off x="1022927" y="0"/>
+            <a:off x="1059872" y="180397"/>
             <a:ext cx="10515600" cy="1325563"/>
           </a:xfrm>
-          <a:prstGeom prst="rect">
-            <a:avLst/>
-          </a:prstGeom>
         </p:spPr>
         <p:txBody>
-          <a:bodyPr vert="horz" lIns="91440" tIns="45720" rIns="91440" bIns="45720" rtlCol="0" anchor="ctr">
-            <a:normAutofit/>
-          </a:bodyPr>
-          <a:lstStyle>
-            <a:lvl1pPr algn="l" defTabSz="914400" rtl="0" eaLnBrk="1" latinLnBrk="0" hangingPunct="1">
-              <a:lnSpc>
-                <a:spcPct val="90000"/>
-              </a:lnSpc>
-              <a:spcBef>
-                <a:spcPct val="0"/>
-              </a:spcBef>
-              <a:buNone/>
-              <a:defRPr kumimoji="1" sz="4400" kern="1200">
-                <a:solidFill>
-                  <a:schemeClr val="tx1"/>
-                </a:solidFill>
-                <a:latin typeface="+mj-lt"/>
-                <a:ea typeface="+mj-ea"/>
-                <a:cs typeface="+mj-cs"/>
-              </a:defRPr>
-            </a:lvl1pPr>
-          </a:lstStyle>
+          <a:bodyPr/>
+          <a:lstStyle/>
           <a:p>
             <a:pPr algn="ctr"/>
             <a:r>
-              <a:rPr lang="ja-JP" altLang="en-US" b="1" dirty="0" smtClean="0">
-                <a:latin typeface="メイリオ" panose="020B0604030504040204" pitchFamily="50" charset="-128"/>
-                <a:ea typeface="メイリオ" panose="020B0604030504040204" pitchFamily="50" charset="-128"/>
-              </a:rPr>
-              <a:t>プレイヤーの挙動</a:t>
-            </a:r>
-            <a:endParaRPr lang="ja-JP" altLang="en-US" b="1" dirty="0">
-              <a:latin typeface="メイリオ" panose="020B0604030504040204" pitchFamily="50" charset="-128"/>
-              <a:ea typeface="メイリオ" panose="020B0604030504040204" pitchFamily="50" charset="-128"/>
-            </a:endParaRPr>
-          </a:p>
-        </p:txBody>
-      </p:sp>
-      <p:sp>
-        <p:nvSpPr>
-          <p:cNvPr id="6" name="テキスト ボックス 5"/>
+              <a:rPr kumimoji="1" lang="ja-JP" altLang="en-US" b="1" dirty="0" smtClean="0"/>
+              <a:t>ゲームのルール</a:t>
+            </a:r>
+            <a:endParaRPr kumimoji="1" lang="ja-JP" altLang="en-US" b="1" dirty="0"/>
+          </a:p>
+        </p:txBody>
+      </p:sp>
+      <p:sp>
+        <p:nvSpPr>
+          <p:cNvPr id="4" name="テキスト ボックス 3"/>
           <p:cNvSpPr txBox="1"/>
           <p:nvPr/>
         </p:nvSpPr>
         <p:spPr>
           <a:xfrm>
-            <a:off x="1699491" y="1477818"/>
-            <a:ext cx="9291782" cy="1200329"/>
+            <a:off x="1921162" y="1534102"/>
+            <a:ext cx="8063347" cy="1754326"/>
           </a:xfrm>
           <a:prstGeom prst="rect">
             <a:avLst/>
@@ -3649,69 +3623,77 @@
           <a:p>
             <a:r>
               <a:rPr kumimoji="1" lang="ja-JP" altLang="en-US" dirty="0" smtClean="0"/>
-              <a:t>・プレイヤは一定の速度</a:t>
-            </a:r>
-            <a:r>
-              <a:rPr kumimoji="1" lang="en-US" altLang="ja-JP" dirty="0" smtClean="0"/>
-              <a:t>×</a:t>
-            </a:r>
-            <a:r>
-              <a:rPr kumimoji="1" lang="ja-JP" altLang="en-US" dirty="0" smtClean="0"/>
-              <a:t>与えられている角度で移動していく。</a:t>
+              <a:t>・キャラクターの後ろに風船があり、その風船を割りに行くしっぽ取りみたいな感じのゲーム。</a:t>
             </a:r>
             <a:endParaRPr kumimoji="1" lang="en-US" altLang="ja-JP" dirty="0" smtClean="0"/>
           </a:p>
           <a:p>
             <a:r>
               <a:rPr lang="ja-JP" altLang="en-US" dirty="0" smtClean="0"/>
-              <a:t>・移動方法はスマホがタッチされた場所に角度を合わせる。</a:t>
+              <a:t>・</a:t>
+            </a:r>
+            <a:r>
+              <a:rPr lang="en-US" altLang="ja-JP" dirty="0" smtClean="0"/>
+              <a:t>photon</a:t>
+            </a:r>
+            <a:r>
+              <a:rPr lang="ja-JP" altLang="en-US" dirty="0" smtClean="0"/>
+              <a:t>を使った</a:t>
+            </a:r>
+            <a:r>
+              <a:rPr lang="en-US" altLang="ja-JP" dirty="0" smtClean="0"/>
+              <a:t>20</a:t>
+            </a:r>
+            <a:r>
+              <a:rPr lang="ja-JP" altLang="en-US" dirty="0" smtClean="0"/>
+              <a:t>人でのオンラインバトルロワイアル。</a:t>
             </a:r>
             <a:endParaRPr lang="en-US" altLang="ja-JP" dirty="0" smtClean="0"/>
           </a:p>
           <a:p>
             <a:r>
               <a:rPr lang="ja-JP" altLang="en-US" dirty="0" smtClean="0"/>
-              <a:t>・回転は目的の角度に近いほうに回転する</a:t>
+              <a:t>・</a:t>
+            </a:r>
+            <a:r>
+              <a:rPr lang="en-US" altLang="ja-JP" dirty="0" smtClean="0"/>
+              <a:t>.</a:t>
+            </a:r>
+            <a:r>
+              <a:rPr lang="en-US" altLang="ja-JP" dirty="0" err="1" smtClean="0"/>
+              <a:t>io</a:t>
+            </a:r>
+            <a:r>
+              <a:rPr lang="ja-JP" altLang="en-US" dirty="0" smtClean="0"/>
+              <a:t>シリーズみたいな感じで</a:t>
+            </a:r>
+            <a:r>
+              <a:rPr lang="en-US" altLang="ja-JP" dirty="0" smtClean="0"/>
+              <a:t>1</a:t>
+            </a:r>
+            <a:r>
+              <a:rPr lang="ja-JP" altLang="en-US" dirty="0" smtClean="0"/>
+              <a:t>試合のゲーム速度を速くしできる限りプレイヤー側のストレスを軽減して広告収入を得る。目指</a:t>
+            </a:r>
+            <a:r>
+              <a:rPr lang="ja-JP" altLang="en-US" dirty="0" err="1" smtClean="0"/>
+              <a:t>せ</a:t>
+            </a:r>
+            <a:r>
+              <a:rPr lang="ja-JP" altLang="en-US" dirty="0" smtClean="0"/>
+              <a:t>焼肉！</a:t>
             </a:r>
             <a:endParaRPr lang="en-US" altLang="ja-JP" dirty="0" smtClean="0"/>
           </a:p>
           <a:p>
-            <a:r>
-              <a:rPr lang="ja-JP" altLang="en-US" dirty="0" smtClean="0"/>
-              <a:t>・プレイヤーの操作を受け付けるのは</a:t>
-            </a:r>
-            <a:r>
-              <a:rPr lang="ja-JP" altLang="en-US" dirty="0" smtClean="0">
-                <a:solidFill>
-                  <a:srgbClr val="FF0000"/>
-                </a:solidFill>
-              </a:rPr>
-              <a:t>生存しているとき</a:t>
-            </a:r>
-            <a:r>
-              <a:rPr lang="ja-JP" altLang="en-US" dirty="0" smtClean="0"/>
-              <a:t>、</a:t>
-            </a:r>
-            <a:r>
-              <a:rPr lang="ja-JP" altLang="en-US" dirty="0" smtClean="0">
-                <a:solidFill>
-                  <a:srgbClr val="FF0000"/>
-                </a:solidFill>
-              </a:rPr>
-              <a:t>試合が終了していないとき</a:t>
-            </a:r>
-            <a:r>
-              <a:rPr lang="ja-JP" altLang="en-US" dirty="0" smtClean="0"/>
-              <a:t>。</a:t>
-            </a:r>
-            <a:endParaRPr lang="en-US" altLang="ja-JP" dirty="0" smtClean="0"/>
+            <a:endParaRPr kumimoji="1" lang="ja-JP" altLang="en-US" dirty="0"/>
           </a:p>
         </p:txBody>
       </p:sp>
     </p:spTree>
     <p:extLst>
       <p:ext uri="{BB962C8B-B14F-4D97-AF65-F5344CB8AC3E}">
-        <p14:creationId xmlns:p14="http://schemas.microsoft.com/office/powerpoint/2010/main" val="2963632490"/>
+        <p14:creationId xmlns:p14="http://schemas.microsoft.com/office/powerpoint/2010/main" val="1862474570"/>
       </p:ext>
     </p:extLst>
   </p:cSld>
@@ -3740,7 +3722,7 @@
       </p:grpSpPr>
       <p:sp>
         <p:nvSpPr>
-          <p:cNvPr id="4" name="タイトル 1"/>
+          <p:cNvPr id="5" name="タイトル 1"/>
           <p:cNvSpPr txBox="1">
             <a:spLocks/>
           </p:cNvSpPr>
@@ -3785,21 +3767,7 @@
                 <a:latin typeface="メイリオ" panose="020B0604030504040204" pitchFamily="50" charset="-128"/>
                 <a:ea typeface="メイリオ" panose="020B0604030504040204" pitchFamily="50" charset="-128"/>
               </a:rPr>
-              <a:t>敵</a:t>
-            </a:r>
-            <a:r>
-              <a:rPr lang="en-US" altLang="ja-JP" b="1" dirty="0" smtClean="0">
-                <a:latin typeface="メイリオ" panose="020B0604030504040204" pitchFamily="50" charset="-128"/>
-                <a:ea typeface="メイリオ" panose="020B0604030504040204" pitchFamily="50" charset="-128"/>
-              </a:rPr>
-              <a:t>AI</a:t>
-            </a:r>
-            <a:r>
-              <a:rPr lang="ja-JP" altLang="en-US" b="1" dirty="0" smtClean="0">
-                <a:latin typeface="メイリオ" panose="020B0604030504040204" pitchFamily="50" charset="-128"/>
-                <a:ea typeface="メイリオ" panose="020B0604030504040204" pitchFamily="50" charset="-128"/>
-              </a:rPr>
-              <a:t>の挙動</a:t>
+              <a:t>プレイヤーの挙動</a:t>
             </a:r>
             <a:endParaRPr lang="ja-JP" altLang="en-US" b="1" dirty="0">
               <a:latin typeface="メイリオ" panose="020B0604030504040204" pitchFamily="50" charset="-128"/>
@@ -3810,14 +3778,14 @@
       </p:sp>
       <p:sp>
         <p:nvSpPr>
-          <p:cNvPr id="8" name="テキスト ボックス 7"/>
+          <p:cNvPr id="6" name="テキスト ボックス 5"/>
           <p:cNvSpPr txBox="1"/>
           <p:nvPr/>
         </p:nvSpPr>
         <p:spPr>
           <a:xfrm>
-            <a:off x="2396836" y="1325563"/>
-            <a:ext cx="7767782" cy="646331"/>
+            <a:off x="1699491" y="1477818"/>
+            <a:ext cx="9291782" cy="2585323"/>
           </a:xfrm>
           <a:prstGeom prst="rect">
             <a:avLst/>
@@ -3832,23 +3800,100 @@
           <a:p>
             <a:r>
               <a:rPr kumimoji="1" lang="ja-JP" altLang="en-US" dirty="0" smtClean="0"/>
-              <a:t>・とりあえずプレイヤーの後ろの風船を狙えればそれでいい</a:t>
+              <a:t>・プレイヤは一定の速度</a:t>
+            </a:r>
+            <a:r>
+              <a:rPr kumimoji="1" lang="en-US" altLang="ja-JP" dirty="0" smtClean="0"/>
+              <a:t>×</a:t>
+            </a:r>
+            <a:r>
+              <a:rPr kumimoji="1" lang="ja-JP" altLang="en-US" dirty="0" smtClean="0"/>
+              <a:t>与えられている角度で移動していく。</a:t>
             </a:r>
             <a:endParaRPr kumimoji="1" lang="en-US" altLang="ja-JP" dirty="0" smtClean="0"/>
           </a:p>
           <a:p>
+            <a:endParaRPr lang="en-US" altLang="ja-JP" dirty="0" smtClean="0"/>
+          </a:p>
+          <a:p>
             <a:r>
               <a:rPr lang="ja-JP" altLang="en-US" dirty="0" smtClean="0"/>
-              <a:t>・できれば最寄のキャラの風船を狙うタイプもあるといいかも</a:t>
-            </a:r>
-            <a:endParaRPr kumimoji="1" lang="ja-JP" altLang="en-US" dirty="0"/>
+              <a:t>・</a:t>
+            </a:r>
+            <a:r>
+              <a:rPr lang="ja-JP" altLang="en-US" dirty="0" smtClean="0"/>
+              <a:t>移動方法はスマホがタッチされた場所に角度を合わせる。</a:t>
+            </a:r>
+            <a:endParaRPr lang="en-US" altLang="ja-JP" dirty="0" smtClean="0"/>
+          </a:p>
+          <a:p>
+            <a:endParaRPr lang="en-US" altLang="ja-JP" dirty="0" smtClean="0"/>
+          </a:p>
+          <a:p>
+            <a:r>
+              <a:rPr lang="ja-JP" altLang="en-US" dirty="0" smtClean="0"/>
+              <a:t>・</a:t>
+            </a:r>
+            <a:r>
+              <a:rPr lang="ja-JP" altLang="en-US" dirty="0" smtClean="0"/>
+              <a:t>回転は目的の角度に近いほうに回転する</a:t>
+            </a:r>
+            <a:endParaRPr lang="en-US" altLang="ja-JP" dirty="0" smtClean="0"/>
+          </a:p>
+          <a:p>
+            <a:endParaRPr lang="en-US" altLang="ja-JP" dirty="0" smtClean="0"/>
+          </a:p>
+          <a:p>
+            <a:r>
+              <a:rPr lang="ja-JP" altLang="en-US" dirty="0" smtClean="0"/>
+              <a:t>・</a:t>
+            </a:r>
+            <a:r>
+              <a:rPr lang="ja-JP" altLang="en-US" dirty="0" smtClean="0"/>
+              <a:t>プレイヤーの操作を受け付けるのは</a:t>
+            </a:r>
+            <a:r>
+              <a:rPr lang="ja-JP" altLang="en-US" dirty="0" smtClean="0">
+                <a:solidFill>
+                  <a:srgbClr val="FF0000"/>
+                </a:solidFill>
+              </a:rPr>
+              <a:t>生存しているとき</a:t>
+            </a:r>
+            <a:r>
+              <a:rPr lang="ja-JP" altLang="en-US" dirty="0" smtClean="0"/>
+              <a:t>、</a:t>
+            </a:r>
+            <a:r>
+              <a:rPr lang="ja-JP" altLang="en-US" dirty="0" smtClean="0">
+                <a:solidFill>
+                  <a:srgbClr val="FF0000"/>
+                </a:solidFill>
+              </a:rPr>
+              <a:t>試合が終了していないとき</a:t>
+            </a:r>
+            <a:r>
+              <a:rPr lang="ja-JP" altLang="en-US" dirty="0" smtClean="0"/>
+              <a:t>。</a:t>
+            </a:r>
+            <a:endParaRPr lang="en-US" altLang="ja-JP" dirty="0" smtClean="0"/>
+          </a:p>
+          <a:p>
+            <a:endParaRPr lang="en-US" altLang="ja-JP" dirty="0" smtClean="0"/>
+          </a:p>
+          <a:p>
+            <a:r>
+              <a:rPr lang="ja-JP" altLang="en-US" dirty="0" smtClean="0"/>
+              <a:t>・プレイヤーの位置は常に真ん中になるようにカメラを動かす</a:t>
+            </a:r>
+            <a:endParaRPr lang="en-US" altLang="ja-JP" dirty="0" smtClean="0"/>
           </a:p>
         </p:txBody>
       </p:sp>
     </p:spTree>
     <p:extLst>
       <p:ext uri="{BB962C8B-B14F-4D97-AF65-F5344CB8AC3E}">
-        <p14:creationId xmlns:p14="http://schemas.microsoft.com/office/powerpoint/2010/main" val="100740667"/>
+        <p14:creationId xmlns:p14="http://schemas.microsoft.com/office/powerpoint/2010/main" val="2963632490"/>
       </p:ext>
     </p:extLst>
   </p:cSld>
@@ -3877,6 +3922,143 @@
       </p:grpSpPr>
       <p:sp>
         <p:nvSpPr>
+          <p:cNvPr id="4" name="タイトル 1"/>
+          <p:cNvSpPr txBox="1">
+            <a:spLocks/>
+          </p:cNvSpPr>
+          <p:nvPr/>
+        </p:nvSpPr>
+        <p:spPr>
+          <a:xfrm>
+            <a:off x="1022927" y="0"/>
+            <a:ext cx="10515600" cy="1325563"/>
+          </a:xfrm>
+          <a:prstGeom prst="rect">
+            <a:avLst/>
+          </a:prstGeom>
+        </p:spPr>
+        <p:txBody>
+          <a:bodyPr vert="horz" lIns="91440" tIns="45720" rIns="91440" bIns="45720" rtlCol="0" anchor="ctr">
+            <a:normAutofit/>
+          </a:bodyPr>
+          <a:lstStyle>
+            <a:lvl1pPr algn="l" defTabSz="914400" rtl="0" eaLnBrk="1" latinLnBrk="0" hangingPunct="1">
+              <a:lnSpc>
+                <a:spcPct val="90000"/>
+              </a:lnSpc>
+              <a:spcBef>
+                <a:spcPct val="0"/>
+              </a:spcBef>
+              <a:buNone/>
+              <a:defRPr kumimoji="1" sz="4400" kern="1200">
+                <a:solidFill>
+                  <a:schemeClr val="tx1"/>
+                </a:solidFill>
+                <a:latin typeface="+mj-lt"/>
+                <a:ea typeface="+mj-ea"/>
+                <a:cs typeface="+mj-cs"/>
+              </a:defRPr>
+            </a:lvl1pPr>
+          </a:lstStyle>
+          <a:p>
+            <a:pPr algn="ctr"/>
+            <a:r>
+              <a:rPr lang="ja-JP" altLang="en-US" b="1" dirty="0" smtClean="0">
+                <a:latin typeface="メイリオ" panose="020B0604030504040204" pitchFamily="50" charset="-128"/>
+                <a:ea typeface="メイリオ" panose="020B0604030504040204" pitchFamily="50" charset="-128"/>
+              </a:rPr>
+              <a:t>敵</a:t>
+            </a:r>
+            <a:r>
+              <a:rPr lang="en-US" altLang="ja-JP" b="1" dirty="0" smtClean="0">
+                <a:latin typeface="メイリオ" panose="020B0604030504040204" pitchFamily="50" charset="-128"/>
+                <a:ea typeface="メイリオ" panose="020B0604030504040204" pitchFamily="50" charset="-128"/>
+              </a:rPr>
+              <a:t>AI</a:t>
+            </a:r>
+            <a:r>
+              <a:rPr lang="ja-JP" altLang="en-US" b="1" dirty="0" smtClean="0">
+                <a:latin typeface="メイリオ" panose="020B0604030504040204" pitchFamily="50" charset="-128"/>
+                <a:ea typeface="メイリオ" panose="020B0604030504040204" pitchFamily="50" charset="-128"/>
+              </a:rPr>
+              <a:t>の挙動</a:t>
+            </a:r>
+            <a:endParaRPr lang="ja-JP" altLang="en-US" b="1" dirty="0">
+              <a:latin typeface="メイリオ" panose="020B0604030504040204" pitchFamily="50" charset="-128"/>
+              <a:ea typeface="メイリオ" panose="020B0604030504040204" pitchFamily="50" charset="-128"/>
+            </a:endParaRPr>
+          </a:p>
+        </p:txBody>
+      </p:sp>
+      <p:sp>
+        <p:nvSpPr>
+          <p:cNvPr id="8" name="テキスト ボックス 7"/>
+          <p:cNvSpPr txBox="1"/>
+          <p:nvPr/>
+        </p:nvSpPr>
+        <p:spPr>
+          <a:xfrm>
+            <a:off x="2396836" y="1325563"/>
+            <a:ext cx="7767782" cy="646331"/>
+          </a:xfrm>
+          <a:prstGeom prst="rect">
+            <a:avLst/>
+          </a:prstGeom>
+          <a:noFill/>
+        </p:spPr>
+        <p:txBody>
+          <a:bodyPr wrap="square" rtlCol="0">
+            <a:spAutoFit/>
+          </a:bodyPr>
+          <a:lstStyle/>
+          <a:p>
+            <a:r>
+              <a:rPr kumimoji="1" lang="ja-JP" altLang="en-US" dirty="0" smtClean="0"/>
+              <a:t>・とりあえずプレイヤーの後ろの風船を狙えればそれでいい</a:t>
+            </a:r>
+            <a:endParaRPr kumimoji="1" lang="en-US" altLang="ja-JP" dirty="0" smtClean="0"/>
+          </a:p>
+          <a:p>
+            <a:r>
+              <a:rPr lang="ja-JP" altLang="en-US" dirty="0" smtClean="0"/>
+              <a:t>・できれば最寄のキャラの風船を狙うタイプもあるといいかも</a:t>
+            </a:r>
+            <a:endParaRPr kumimoji="1" lang="ja-JP" altLang="en-US" dirty="0"/>
+          </a:p>
+        </p:txBody>
+      </p:sp>
+    </p:spTree>
+    <p:extLst>
+      <p:ext uri="{BB962C8B-B14F-4D97-AF65-F5344CB8AC3E}">
+        <p14:creationId xmlns:p14="http://schemas.microsoft.com/office/powerpoint/2010/main" val="100740667"/>
+      </p:ext>
+    </p:extLst>
+  </p:cSld>
+  <p:clrMapOvr>
+    <a:masterClrMapping/>
+  </p:clrMapOvr>
+</p:sld>
+</file>
+
+<file path=ppt/slides/slide6.xml><?xml version="1.0" encoding="utf-8"?>
+<p:sld xmlns:a="http://schemas.openxmlformats.org/drawingml/2006/main" xmlns:r="http://schemas.openxmlformats.org/officeDocument/2006/relationships" xmlns:p="http://schemas.openxmlformats.org/presentationml/2006/main">
+  <p:cSld>
+    <p:spTree>
+      <p:nvGrpSpPr>
+        <p:cNvPr id="1" name=""/>
+        <p:cNvGrpSpPr/>
+        <p:nvPr/>
+      </p:nvGrpSpPr>
+      <p:grpSpPr>
+        <a:xfrm>
+          <a:off x="0" y="0"/>
+          <a:ext cx="0" cy="0"/>
+          <a:chOff x="0" y="0"/>
+          <a:chExt cx="0" cy="0"/>
+        </a:xfrm>
+      </p:grpSpPr>
+      <p:sp>
+        <p:nvSpPr>
           <p:cNvPr id="2" name="タイトル 1"/>
           <p:cNvSpPr>
             <a:spLocks noGrp="1"/>
@@ -4036,14 +4218,7 @@
                 <a:latin typeface="メイリオ" panose="020B0604030504040204" pitchFamily="50" charset="-128"/>
                 <a:ea typeface="メイリオ" panose="020B0604030504040204" pitchFamily="50" charset="-128"/>
               </a:rPr>
-              <a:t>・試合が終了したら縮小は止まる</a:t>
-            </a:r>
-            <a:r>
-              <a:rPr lang="ja-JP" altLang="en-US" dirty="0" smtClean="0">
-                <a:latin typeface="メイリオ" panose="020B0604030504040204" pitchFamily="50" charset="-128"/>
-                <a:ea typeface="メイリオ" panose="020B0604030504040204" pitchFamily="50" charset="-128"/>
-              </a:rPr>
-              <a:t>。</a:t>
+              <a:t>・試合が終了したら縮小は止まる。</a:t>
             </a:r>
             <a:endParaRPr lang="en-US" altLang="ja-JP" dirty="0" smtClean="0">
               <a:latin typeface="メイリオ" panose="020B0604030504040204" pitchFamily="50" charset="-128"/>
@@ -4125,7 +4300,7 @@
 </p:sld>
 </file>
 
-<file path=ppt/slides/slide6.xml><?xml version="1.0" encoding="utf-8"?>
+<file path=ppt/slides/slide7.xml><?xml version="1.0" encoding="utf-8"?>
 <p:sld xmlns:a="http://schemas.openxmlformats.org/drawingml/2006/main" xmlns:r="http://schemas.openxmlformats.org/officeDocument/2006/relationships" xmlns:p="http://schemas.openxmlformats.org/presentationml/2006/main">
   <p:cSld>
     <p:spTree>
